--- a/images/moon23neurips_dark.pptx
+++ b/images/moon23neurips_dark.pptx
@@ -6617,7 +6617,7 @@
           <a:prstGeom prst="straightConnector1">
             <a:avLst/>
           </a:prstGeom>
-          <a:ln w="28575">
+          <a:ln w="19050">
             <a:solidFill>
               <a:schemeClr val="bg1"/>
             </a:solidFill>
@@ -6734,7 +6734,7 @@
           <a:prstGeom prst="straightConnector1">
             <a:avLst/>
           </a:prstGeom>
-          <a:ln w="28575">
+          <a:ln w="19050">
             <a:solidFill>
               <a:schemeClr val="bg1"/>
             </a:solidFill>
@@ -6780,7 +6780,7 @@
           <a:prstGeom prst="straightConnector1">
             <a:avLst/>
           </a:prstGeom>
-          <a:ln w="28575">
+          <a:ln w="19050">
             <a:solidFill>
               <a:schemeClr val="bg1"/>
             </a:solidFill>
@@ -6826,7 +6826,7 @@
           <a:prstGeom prst="straightConnector1">
             <a:avLst/>
           </a:prstGeom>
-          <a:ln w="28575">
+          <a:ln w="19050">
             <a:solidFill>
               <a:schemeClr val="bg1"/>
             </a:solidFill>
@@ -6943,7 +6943,7 @@
           <a:prstGeom prst="straightConnector1">
             <a:avLst/>
           </a:prstGeom>
-          <a:ln w="28575">
+          <a:ln w="19050">
             <a:solidFill>
               <a:schemeClr val="bg1"/>
             </a:solidFill>
@@ -7090,7 +7090,7 @@
           <a:prstGeom prst="straightConnector1">
             <a:avLst/>
           </a:prstGeom>
-          <a:ln w="28575">
+          <a:ln w="19050">
             <a:solidFill>
               <a:schemeClr val="bg1"/>
             </a:solidFill>
@@ -7852,7 +7852,7 @@
           <a:prstGeom prst="straightConnector1">
             <a:avLst/>
           </a:prstGeom>
-          <a:ln w="28575">
+          <a:ln w="19050">
             <a:solidFill>
               <a:schemeClr val="bg1"/>
             </a:solidFill>
@@ -7898,7 +7898,7 @@
           <a:prstGeom prst="straightConnector1">
             <a:avLst/>
           </a:prstGeom>
-          <a:ln w="28575">
+          <a:ln w="19050">
             <a:solidFill>
               <a:schemeClr val="bg1"/>
             </a:solidFill>
@@ -8030,7 +8030,7 @@
           <a:prstGeom prst="straightConnector1">
             <a:avLst/>
           </a:prstGeom>
-          <a:ln w="28575">
+          <a:ln w="19050">
             <a:solidFill>
               <a:schemeClr val="bg1"/>
             </a:solidFill>
@@ -8248,7 +8248,7 @@
           <a:prstGeom prst="straightConnector1">
             <a:avLst/>
           </a:prstGeom>
-          <a:ln w="28575">
+          <a:ln w="19050">
             <a:solidFill>
               <a:schemeClr val="bg1"/>
             </a:solidFill>
@@ -8948,7 +8948,7 @@
           <a:prstGeom prst="straightConnector1">
             <a:avLst/>
           </a:prstGeom>
-          <a:ln w="28575">
+          <a:ln w="19050">
             <a:solidFill>
               <a:schemeClr val="bg1"/>
             </a:solidFill>
@@ -8994,7 +8994,7 @@
           <a:prstGeom prst="straightConnector1">
             <a:avLst/>
           </a:prstGeom>
-          <a:ln w="28575">
+          <a:ln w="19050">
             <a:solidFill>
               <a:schemeClr val="bg1"/>
             </a:solidFill>
@@ -9142,7 +9142,7 @@
           <a:prstGeom prst="straightConnector1">
             <a:avLst/>
           </a:prstGeom>
-          <a:ln w="28575">
+          <a:ln w="19050">
             <a:solidFill>
               <a:schemeClr val="bg1"/>
             </a:solidFill>
@@ -9274,7 +9274,7 @@
           <a:prstGeom prst="straightConnector1">
             <a:avLst/>
           </a:prstGeom>
-          <a:ln w="28575">
+          <a:ln w="19050">
             <a:solidFill>
               <a:schemeClr val="bg1"/>
             </a:solidFill>
@@ -9620,7 +9620,7 @@
           <a:prstGeom prst="straightConnector1">
             <a:avLst/>
           </a:prstGeom>
-          <a:ln w="28575">
+          <a:ln w="19050">
             <a:solidFill>
               <a:schemeClr val="bg1"/>
             </a:solidFill>
@@ -9666,7 +9666,7 @@
           <a:prstGeom prst="straightConnector1">
             <a:avLst/>
           </a:prstGeom>
-          <a:ln w="28575">
+          <a:ln w="19050">
             <a:solidFill>
               <a:schemeClr val="bg1"/>
             </a:solidFill>
@@ -9936,7 +9936,7 @@
           <a:prstGeom prst="straightConnector1">
             <a:avLst/>
           </a:prstGeom>
-          <a:ln w="28575">
+          <a:ln w="19050">
             <a:solidFill>
               <a:schemeClr val="bg1"/>
             </a:solidFill>
@@ -9983,7 +9983,7 @@
           <a:prstGeom prst="straightConnector1">
             <a:avLst/>
           </a:prstGeom>
-          <a:ln w="28575">
+          <a:ln w="19050">
             <a:solidFill>
               <a:schemeClr val="bg1"/>
             </a:solidFill>
@@ -10783,7 +10783,7 @@
           <a:prstGeom prst="straightConnector1">
             <a:avLst/>
           </a:prstGeom>
-          <a:ln w="28575">
+          <a:ln w="19050">
             <a:solidFill>
               <a:schemeClr val="bg1"/>
             </a:solidFill>
@@ -10829,7 +10829,7 @@
           <a:prstGeom prst="straightConnector1">
             <a:avLst/>
           </a:prstGeom>
-          <a:ln w="28575">
+          <a:ln w="19050">
             <a:solidFill>
               <a:schemeClr val="bg1"/>
             </a:solidFill>
@@ -10961,7 +10961,7 @@
           <a:prstGeom prst="straightConnector1">
             <a:avLst/>
           </a:prstGeom>
-          <a:ln w="28575">
+          <a:ln w="19050">
             <a:solidFill>
               <a:schemeClr val="bg1"/>
             </a:solidFill>
@@ -11179,7 +11179,7 @@
           <a:prstGeom prst="straightConnector1">
             <a:avLst/>
           </a:prstGeom>
-          <a:ln w="28575">
+          <a:ln w="19050">
             <a:solidFill>
               <a:schemeClr val="bg1"/>
             </a:solidFill>
@@ -11879,7 +11879,7 @@
           <a:prstGeom prst="straightConnector1">
             <a:avLst/>
           </a:prstGeom>
-          <a:ln w="28575">
+          <a:ln w="19050">
             <a:solidFill>
               <a:schemeClr val="bg1"/>
             </a:solidFill>
@@ -11925,7 +11925,7 @@
           <a:prstGeom prst="straightConnector1">
             <a:avLst/>
           </a:prstGeom>
-          <a:ln w="28575">
+          <a:ln w="19050">
             <a:solidFill>
               <a:schemeClr val="bg1"/>
             </a:solidFill>
@@ -12073,7 +12073,7 @@
           <a:prstGeom prst="straightConnector1">
             <a:avLst/>
           </a:prstGeom>
-          <a:ln w="28575">
+          <a:ln w="19050">
             <a:solidFill>
               <a:schemeClr val="bg1"/>
             </a:solidFill>
@@ -12205,7 +12205,7 @@
           <a:prstGeom prst="straightConnector1">
             <a:avLst/>
           </a:prstGeom>
-          <a:ln w="28575">
+          <a:ln w="19050">
             <a:solidFill>
               <a:schemeClr val="bg1"/>
             </a:solidFill>
@@ -12551,7 +12551,7 @@
           <a:prstGeom prst="straightConnector1">
             <a:avLst/>
           </a:prstGeom>
-          <a:ln w="28575">
+          <a:ln w="19050">
             <a:solidFill>
               <a:schemeClr val="bg1"/>
             </a:solidFill>
@@ -12597,7 +12597,7 @@
           <a:prstGeom prst="straightConnector1">
             <a:avLst/>
           </a:prstGeom>
-          <a:ln w="28575">
+          <a:ln w="19050">
             <a:solidFill>
               <a:schemeClr val="bg1"/>
             </a:solidFill>
@@ -12867,7 +12867,7 @@
           <a:prstGeom prst="straightConnector1">
             <a:avLst/>
           </a:prstGeom>
-          <a:ln w="28575">
+          <a:ln w="19050">
             <a:solidFill>
               <a:schemeClr val="bg1"/>
             </a:solidFill>
@@ -12914,7 +12914,7 @@
           <a:prstGeom prst="straightConnector1">
             <a:avLst/>
           </a:prstGeom>
-          <a:ln w="28575">
+          <a:ln w="19050">
             <a:solidFill>
               <a:schemeClr val="bg1"/>
             </a:solidFill>
@@ -13611,7 +13611,7 @@
           <a:prstGeom prst="straightConnector1">
             <a:avLst/>
           </a:prstGeom>
-          <a:ln w="28575">
+          <a:ln w="19050">
             <a:solidFill>
               <a:schemeClr val="bg1"/>
             </a:solidFill>
@@ -13728,7 +13728,7 @@
           <a:prstGeom prst="straightConnector1">
             <a:avLst/>
           </a:prstGeom>
-          <a:ln w="28575">
+          <a:ln w="19050">
             <a:solidFill>
               <a:schemeClr val="bg1"/>
             </a:solidFill>
@@ -13774,7 +13774,7 @@
           <a:prstGeom prst="straightConnector1">
             <a:avLst/>
           </a:prstGeom>
-          <a:ln w="28575">
+          <a:ln w="19050">
             <a:solidFill>
               <a:schemeClr val="bg1"/>
             </a:solidFill>
@@ -13820,7 +13820,7 @@
           <a:prstGeom prst="straightConnector1">
             <a:avLst/>
           </a:prstGeom>
-          <a:ln w="28575">
+          <a:ln w="19050">
             <a:solidFill>
               <a:schemeClr val="bg1"/>
             </a:solidFill>
@@ -13937,7 +13937,7 @@
           <a:prstGeom prst="straightConnector1">
             <a:avLst/>
           </a:prstGeom>
-          <a:ln w="28575">
+          <a:ln w="19050">
             <a:solidFill>
               <a:schemeClr val="bg1"/>
             </a:solidFill>
@@ -14084,7 +14084,7 @@
           <a:prstGeom prst="straightConnector1">
             <a:avLst/>
           </a:prstGeom>
-          <a:ln w="28575">
+          <a:ln w="19050">
             <a:solidFill>
               <a:schemeClr val="bg1"/>
             </a:solidFill>
@@ -14743,7 +14743,7 @@
           <a:prstGeom prst="straightConnector1">
             <a:avLst/>
           </a:prstGeom>
-          <a:ln w="28575">
+          <a:ln w="19050">
             <a:solidFill>
               <a:schemeClr val="bg1"/>
             </a:solidFill>
@@ -14860,7 +14860,7 @@
           <a:prstGeom prst="straightConnector1">
             <a:avLst/>
           </a:prstGeom>
-          <a:ln w="28575">
+          <a:ln w="19050">
             <a:solidFill>
               <a:schemeClr val="bg1"/>
             </a:solidFill>
@@ -14906,7 +14906,7 @@
           <a:prstGeom prst="straightConnector1">
             <a:avLst/>
           </a:prstGeom>
-          <a:ln w="28575">
+          <a:ln w="19050">
             <a:solidFill>
               <a:schemeClr val="bg1"/>
             </a:solidFill>
@@ -14952,7 +14952,7 @@
           <a:prstGeom prst="straightConnector1">
             <a:avLst/>
           </a:prstGeom>
-          <a:ln w="28575">
+          <a:ln w="19050">
             <a:solidFill>
               <a:schemeClr val="bg1"/>
             </a:solidFill>
@@ -15069,7 +15069,7 @@
           <a:prstGeom prst="straightConnector1">
             <a:avLst/>
           </a:prstGeom>
-          <a:ln w="28575">
+          <a:ln w="19050">
             <a:solidFill>
               <a:schemeClr val="bg1"/>
             </a:solidFill>
@@ -15216,7 +15216,7 @@
           <a:prstGeom prst="straightConnector1">
             <a:avLst/>
           </a:prstGeom>
-          <a:ln w="28575">
+          <a:ln w="19050">
             <a:solidFill>
               <a:schemeClr val="bg1"/>
             </a:solidFill>
@@ -15686,7 +15686,7 @@
           <a:prstGeom prst="straightConnector1">
             <a:avLst/>
           </a:prstGeom>
-          <a:ln w="28575">
+          <a:ln w="19050">
             <a:solidFill>
               <a:schemeClr val="bg1"/>
             </a:solidFill>
@@ -15733,7 +15733,7 @@
           <a:prstGeom prst="straightConnector1">
             <a:avLst/>
           </a:prstGeom>
-          <a:ln w="28575">
+          <a:ln w="19050">
             <a:solidFill>
               <a:schemeClr val="bg1"/>
             </a:solidFill>
@@ -16439,7 +16439,7 @@
           <a:prstGeom prst="straightConnector1">
             <a:avLst/>
           </a:prstGeom>
-          <a:ln w="28575">
+          <a:ln w="19050">
             <a:solidFill>
               <a:schemeClr val="bg1"/>
             </a:solidFill>
@@ -16556,7 +16556,7 @@
           <a:prstGeom prst="straightConnector1">
             <a:avLst/>
           </a:prstGeom>
-          <a:ln w="28575">
+          <a:ln w="19050">
             <a:solidFill>
               <a:schemeClr val="bg1"/>
             </a:solidFill>
@@ -16602,7 +16602,7 @@
           <a:prstGeom prst="straightConnector1">
             <a:avLst/>
           </a:prstGeom>
-          <a:ln w="28575">
+          <a:ln w="19050">
             <a:solidFill>
               <a:schemeClr val="bg1"/>
             </a:solidFill>
@@ -16648,7 +16648,7 @@
           <a:prstGeom prst="straightConnector1">
             <a:avLst/>
           </a:prstGeom>
-          <a:ln w="28575">
+          <a:ln w="19050">
             <a:solidFill>
               <a:schemeClr val="bg1"/>
             </a:solidFill>
@@ -16765,7 +16765,7 @@
           <a:prstGeom prst="straightConnector1">
             <a:avLst/>
           </a:prstGeom>
-          <a:ln w="28575">
+          <a:ln w="19050">
             <a:solidFill>
               <a:schemeClr val="bg1"/>
             </a:solidFill>
@@ -16912,7 +16912,7 @@
           <a:prstGeom prst="straightConnector1">
             <a:avLst/>
           </a:prstGeom>
-          <a:ln w="28575">
+          <a:ln w="19050">
             <a:solidFill>
               <a:schemeClr val="bg1"/>
             </a:solidFill>
@@ -17382,7 +17382,7 @@
           <a:prstGeom prst="straightConnector1">
             <a:avLst/>
           </a:prstGeom>
-          <a:ln w="28575">
+          <a:ln w="19050">
             <a:solidFill>
               <a:schemeClr val="bg1"/>
             </a:solidFill>
@@ -17429,7 +17429,7 @@
           <a:prstGeom prst="straightConnector1">
             <a:avLst/>
           </a:prstGeom>
-          <a:ln w="28575">
+          <a:ln w="19050">
             <a:solidFill>
               <a:schemeClr val="bg1"/>
             </a:solidFill>
@@ -18098,7 +18098,7 @@
           <a:prstGeom prst="straightConnector1">
             <a:avLst/>
           </a:prstGeom>
-          <a:ln w="28575">
+          <a:ln w="19050">
             <a:solidFill>
               <a:schemeClr val="bg1"/>
             </a:solidFill>
@@ -18144,7 +18144,7 @@
           <a:prstGeom prst="straightConnector1">
             <a:avLst/>
           </a:prstGeom>
-          <a:ln w="28575">
+          <a:ln w="19050">
             <a:solidFill>
               <a:schemeClr val="bg1"/>
             </a:solidFill>
@@ -18247,7 +18247,7 @@
           <a:prstGeom prst="straightConnector1">
             <a:avLst/>
           </a:prstGeom>
-          <a:ln w="28575">
+          <a:ln w="19050">
             <a:solidFill>
               <a:schemeClr val="bg1"/>
             </a:solidFill>
@@ -18407,7 +18407,7 @@
           <a:prstGeom prst="straightConnector1">
             <a:avLst/>
           </a:prstGeom>
-          <a:ln w="28575">
+          <a:ln w="19050">
             <a:solidFill>
               <a:schemeClr val="bg1"/>
             </a:solidFill>
@@ -18921,7 +18921,7 @@
           <a:prstGeom prst="straightConnector1">
             <a:avLst/>
           </a:prstGeom>
-          <a:ln w="28575">
+          <a:ln w="19050">
             <a:solidFill>
               <a:schemeClr val="bg1"/>
             </a:solidFill>
@@ -18967,7 +18967,7 @@
           <a:prstGeom prst="straightConnector1">
             <a:avLst/>
           </a:prstGeom>
-          <a:ln w="28575">
+          <a:ln w="19050">
             <a:solidFill>
               <a:schemeClr val="bg1"/>
             </a:solidFill>
@@ -19082,7 +19082,7 @@
           <a:prstGeom prst="straightConnector1">
             <a:avLst/>
           </a:prstGeom>
-          <a:ln w="28575">
+          <a:ln w="19050">
             <a:solidFill>
               <a:schemeClr val="bg1"/>
             </a:solidFill>
@@ -19185,7 +19185,7 @@
           <a:prstGeom prst="straightConnector1">
             <a:avLst/>
           </a:prstGeom>
-          <a:ln w="28575">
+          <a:ln w="19050">
             <a:solidFill>
               <a:schemeClr val="bg1"/>
             </a:solidFill>
@@ -19433,7 +19433,7 @@
           <a:prstGeom prst="straightConnector1">
             <a:avLst/>
           </a:prstGeom>
-          <a:ln w="28575">
+          <a:ln w="19050">
             <a:solidFill>
               <a:schemeClr val="bg1"/>
             </a:solidFill>
@@ -19479,7 +19479,7 @@
           <a:prstGeom prst="straightConnector1">
             <a:avLst/>
           </a:prstGeom>
-          <a:ln w="28575">
+          <a:ln w="19050">
             <a:solidFill>
               <a:schemeClr val="bg1"/>
             </a:solidFill>
@@ -19910,7 +19910,7 @@
           <a:prstGeom prst="straightConnector1">
             <a:avLst/>
           </a:prstGeom>
-          <a:ln w="28575">
+          <a:ln w="19050">
             <a:solidFill>
               <a:schemeClr val="bg1"/>
             </a:solidFill>
@@ -19956,7 +19956,7 @@
           <a:prstGeom prst="straightConnector1">
             <a:avLst/>
           </a:prstGeom>
-          <a:ln w="28575">
+          <a:ln w="19050">
             <a:solidFill>
               <a:schemeClr val="bg1"/>
             </a:solidFill>
@@ -20059,7 +20059,7 @@
           <a:prstGeom prst="straightConnector1">
             <a:avLst/>
           </a:prstGeom>
-          <a:ln w="28575">
+          <a:ln w="19050">
             <a:solidFill>
               <a:schemeClr val="bg1"/>
             </a:solidFill>
@@ -20219,7 +20219,7 @@
           <a:prstGeom prst="straightConnector1">
             <a:avLst/>
           </a:prstGeom>
-          <a:ln w="28575">
+          <a:ln w="19050">
             <a:solidFill>
               <a:schemeClr val="bg1"/>
             </a:solidFill>
@@ -20733,7 +20733,7 @@
           <a:prstGeom prst="straightConnector1">
             <a:avLst/>
           </a:prstGeom>
-          <a:ln w="28575">
+          <a:ln w="19050">
             <a:solidFill>
               <a:schemeClr val="bg1"/>
             </a:solidFill>
@@ -20779,7 +20779,7 @@
           <a:prstGeom prst="straightConnector1">
             <a:avLst/>
           </a:prstGeom>
-          <a:ln w="28575">
+          <a:ln w="19050">
             <a:solidFill>
               <a:schemeClr val="bg1"/>
             </a:solidFill>
@@ -20894,7 +20894,7 @@
           <a:prstGeom prst="straightConnector1">
             <a:avLst/>
           </a:prstGeom>
-          <a:ln w="28575">
+          <a:ln w="19050">
             <a:solidFill>
               <a:schemeClr val="bg1"/>
             </a:solidFill>
@@ -20997,7 +20997,7 @@
           <a:prstGeom prst="straightConnector1">
             <a:avLst/>
           </a:prstGeom>
-          <a:ln w="28575">
+          <a:ln w="19050">
             <a:solidFill>
               <a:schemeClr val="bg1"/>
             </a:solidFill>
@@ -21245,7 +21245,7 @@
           <a:prstGeom prst="straightConnector1">
             <a:avLst/>
           </a:prstGeom>
-          <a:ln w="28575">
+          <a:ln w="19050">
             <a:solidFill>
               <a:schemeClr val="bg1"/>
             </a:solidFill>
@@ -21291,7 +21291,7 @@
           <a:prstGeom prst="straightConnector1">
             <a:avLst/>
           </a:prstGeom>
-          <a:ln w="28575">
+          <a:ln w="19050">
             <a:solidFill>
               <a:schemeClr val="bg1"/>
             </a:solidFill>
@@ -22636,7 +22636,7 @@
           <a:prstGeom prst="straightConnector1">
             <a:avLst/>
           </a:prstGeom>
-          <a:ln w="28575">
+          <a:ln w="19050">
             <a:solidFill>
               <a:schemeClr val="bg1"/>
             </a:solidFill>
@@ -22682,7 +22682,7 @@
           <a:prstGeom prst="straightConnector1">
             <a:avLst/>
           </a:prstGeom>
-          <a:ln w="28575">
+          <a:ln w="19050">
             <a:solidFill>
               <a:schemeClr val="bg1"/>
             </a:solidFill>
@@ -22785,7 +22785,7 @@
           <a:prstGeom prst="straightConnector1">
             <a:avLst/>
           </a:prstGeom>
-          <a:ln w="28575">
+          <a:ln w="19050">
             <a:solidFill>
               <a:schemeClr val="bg1"/>
             </a:solidFill>
@@ -22945,7 +22945,7 @@
           <a:prstGeom prst="straightConnector1">
             <a:avLst/>
           </a:prstGeom>
-          <a:ln w="28575">
+          <a:ln w="19050">
             <a:solidFill>
               <a:schemeClr val="bg1"/>
             </a:solidFill>
@@ -23459,7 +23459,7 @@
           <a:prstGeom prst="straightConnector1">
             <a:avLst/>
           </a:prstGeom>
-          <a:ln w="28575">
+          <a:ln w="19050">
             <a:solidFill>
               <a:schemeClr val="bg1"/>
             </a:solidFill>
@@ -23505,7 +23505,7 @@
           <a:prstGeom prst="straightConnector1">
             <a:avLst/>
           </a:prstGeom>
-          <a:ln w="28575">
+          <a:ln w="19050">
             <a:solidFill>
               <a:schemeClr val="bg1"/>
             </a:solidFill>
@@ -23620,7 +23620,7 @@
           <a:prstGeom prst="straightConnector1">
             <a:avLst/>
           </a:prstGeom>
-          <a:ln w="28575">
+          <a:ln w="19050">
             <a:solidFill>
               <a:schemeClr val="bg1"/>
             </a:solidFill>
@@ -23723,7 +23723,7 @@
           <a:prstGeom prst="straightConnector1">
             <a:avLst/>
           </a:prstGeom>
-          <a:ln w="28575">
+          <a:ln w="19050">
             <a:solidFill>
               <a:schemeClr val="bg1"/>
             </a:solidFill>
@@ -23971,7 +23971,7 @@
           <a:prstGeom prst="straightConnector1">
             <a:avLst/>
           </a:prstGeom>
-          <a:ln w="28575">
+          <a:ln w="19050">
             <a:solidFill>
               <a:schemeClr val="bg1"/>
             </a:solidFill>
@@ -24017,7 +24017,7 @@
           <a:prstGeom prst="straightConnector1">
             <a:avLst/>
           </a:prstGeom>
-          <a:ln w="28575">
+          <a:ln w="19050">
             <a:solidFill>
               <a:schemeClr val="bg1"/>
             </a:solidFill>
@@ -25411,7 +25411,7 @@
           <a:prstGeom prst="straightConnector1">
             <a:avLst/>
           </a:prstGeom>
-          <a:ln w="28575">
+          <a:ln w="19050">
             <a:solidFill>
               <a:schemeClr val="bg1"/>
             </a:solidFill>
@@ -25457,7 +25457,7 @@
           <a:prstGeom prst="straightConnector1">
             <a:avLst/>
           </a:prstGeom>
-          <a:ln w="28575">
+          <a:ln w="19050">
             <a:solidFill>
               <a:schemeClr val="bg1"/>
             </a:solidFill>
@@ -25560,7 +25560,7 @@
           <a:prstGeom prst="straightConnector1">
             <a:avLst/>
           </a:prstGeom>
-          <a:ln w="28575">
+          <a:ln w="19050">
             <a:solidFill>
               <a:schemeClr val="bg1"/>
             </a:solidFill>
@@ -25720,7 +25720,7 @@
           <a:prstGeom prst="straightConnector1">
             <a:avLst/>
           </a:prstGeom>
-          <a:ln w="28575">
+          <a:ln w="19050">
             <a:solidFill>
               <a:schemeClr val="bg1"/>
             </a:solidFill>
@@ -26234,7 +26234,7 @@
           <a:prstGeom prst="straightConnector1">
             <a:avLst/>
           </a:prstGeom>
-          <a:ln w="28575">
+          <a:ln w="19050">
             <a:solidFill>
               <a:schemeClr val="bg1"/>
             </a:solidFill>
@@ -26280,7 +26280,7 @@
           <a:prstGeom prst="straightConnector1">
             <a:avLst/>
           </a:prstGeom>
-          <a:ln w="28575">
+          <a:ln w="19050">
             <a:solidFill>
               <a:schemeClr val="bg1"/>
             </a:solidFill>
@@ -26395,7 +26395,7 @@
           <a:prstGeom prst="straightConnector1">
             <a:avLst/>
           </a:prstGeom>
-          <a:ln w="28575">
+          <a:ln w="19050">
             <a:solidFill>
               <a:schemeClr val="bg1"/>
             </a:solidFill>
@@ -26498,7 +26498,7 @@
           <a:prstGeom prst="straightConnector1">
             <a:avLst/>
           </a:prstGeom>
-          <a:ln w="28575">
+          <a:ln w="19050">
             <a:solidFill>
               <a:schemeClr val="bg1"/>
             </a:solidFill>
@@ -26746,7 +26746,7 @@
           <a:prstGeom prst="straightConnector1">
             <a:avLst/>
           </a:prstGeom>
-          <a:ln w="28575">
+          <a:ln w="19050">
             <a:solidFill>
               <a:schemeClr val="bg1"/>
             </a:solidFill>
@@ -26792,7 +26792,7 @@
           <a:prstGeom prst="straightConnector1">
             <a:avLst/>
           </a:prstGeom>
-          <a:ln w="28575">
+          <a:ln w="19050">
             <a:solidFill>
               <a:schemeClr val="bg1"/>
             </a:solidFill>
@@ -28024,7 +28024,7 @@
           <a:prstGeom prst="straightConnector1">
             <a:avLst/>
           </a:prstGeom>
-          <a:ln w="28575">
+          <a:ln w="19050">
             <a:solidFill>
               <a:schemeClr val="bg1"/>
             </a:solidFill>
@@ -28070,7 +28070,7 @@
           <a:prstGeom prst="straightConnector1">
             <a:avLst/>
           </a:prstGeom>
-          <a:ln w="28575">
+          <a:ln w="19050">
             <a:solidFill>
               <a:schemeClr val="bg1"/>
             </a:solidFill>
@@ -28173,7 +28173,7 @@
           <a:prstGeom prst="straightConnector1">
             <a:avLst/>
           </a:prstGeom>
-          <a:ln w="28575">
+          <a:ln w="19050">
             <a:solidFill>
               <a:schemeClr val="bg1"/>
             </a:solidFill>
@@ -28333,7 +28333,7 @@
           <a:prstGeom prst="straightConnector1">
             <a:avLst/>
           </a:prstGeom>
-          <a:ln w="28575">
+          <a:ln w="19050">
             <a:solidFill>
               <a:schemeClr val="bg1"/>
             </a:solidFill>
@@ -28847,7 +28847,7 @@
           <a:prstGeom prst="straightConnector1">
             <a:avLst/>
           </a:prstGeom>
-          <a:ln w="28575">
+          <a:ln w="19050">
             <a:solidFill>
               <a:schemeClr val="bg1"/>
             </a:solidFill>
@@ -28893,7 +28893,7 @@
           <a:prstGeom prst="straightConnector1">
             <a:avLst/>
           </a:prstGeom>
-          <a:ln w="28575">
+          <a:ln w="19050">
             <a:solidFill>
               <a:schemeClr val="bg1"/>
             </a:solidFill>
@@ -29008,7 +29008,7 @@
           <a:prstGeom prst="straightConnector1">
             <a:avLst/>
           </a:prstGeom>
-          <a:ln w="28575">
+          <a:ln w="19050">
             <a:solidFill>
               <a:schemeClr val="bg1"/>
             </a:solidFill>
@@ -29111,7 +29111,7 @@
           <a:prstGeom prst="straightConnector1">
             <a:avLst/>
           </a:prstGeom>
-          <a:ln w="28575">
+          <a:ln w="19050">
             <a:solidFill>
               <a:schemeClr val="bg1"/>
             </a:solidFill>
@@ -29359,7 +29359,7 @@
           <a:prstGeom prst="straightConnector1">
             <a:avLst/>
           </a:prstGeom>
-          <a:ln w="28575">
+          <a:ln w="19050">
             <a:solidFill>
               <a:schemeClr val="bg1"/>
             </a:solidFill>
@@ -29405,7 +29405,7 @@
           <a:prstGeom prst="straightConnector1">
             <a:avLst/>
           </a:prstGeom>
-          <a:ln w="28575">
+          <a:ln w="19050">
             <a:solidFill>
               <a:schemeClr val="bg1"/>
             </a:solidFill>
